--- a/slides/guestLecture/image/diagrams.pptx
+++ b/slides/guestLecture/image/diagrams.pptx
@@ -5002,7 +5002,11 @@
             <a:pPr algn="ctr"/>
             <a:r>
               <a:rPr lang="en-US" altLang="zh-CN" dirty="0"/>
-              <a:t>Official Language Proficiency</a:t>
+              <a:t>Official </a:t>
+            </a:r>
+            <a:r>
+              <a:rPr lang="en-US" altLang="zh-CN"/>
+              <a:t>Language Proficiencies</a:t>
             </a:r>
             <a:endParaRPr lang="zh-CN" altLang="en-US" dirty="0"/>
           </a:p>
